--- a/files/teaching-resources/monmouthcollege-econ-301/econ-301-s2024/econ-301-s2024-lecture-note/ECON301-S2024-LEC04.pptx
+++ b/files/teaching-resources/monmouthcollege-econ-301/econ-301-s2024/econ-301-s2024-lecture-note/ECON301-S2024-LEC04.pptx
@@ -9,11 +9,11 @@
   </p:notesMasterIdLst>
   <p:sldIdLst>
     <p:sldId id="256" r:id="rId2"/>
-    <p:sldId id="329" r:id="rId3"/>
-    <p:sldId id="258" r:id="rId4"/>
-    <p:sldId id="330" r:id="rId5"/>
-    <p:sldId id="331" r:id="rId6"/>
-    <p:sldId id="332" r:id="rId7"/>
+    <p:sldId id="258" r:id="rId3"/>
+    <p:sldId id="330" r:id="rId4"/>
+    <p:sldId id="331" r:id="rId5"/>
+    <p:sldId id="332" r:id="rId6"/>
+    <p:sldId id="346" r:id="rId7"/>
     <p:sldId id="333" r:id="rId8"/>
     <p:sldId id="334" r:id="rId9"/>
     <p:sldId id="335" r:id="rId10"/>
@@ -213,7 +213,7 @@
           <a:p>
             <a:fld id="{0E0A6441-4E79-42FF-805B-86C90BDFD38D}" type="datetimeFigureOut">
               <a:rPr lang="en-US" smtClean="0"/>
-              <a:t>2/11/2024</a:t>
+              <a:t>2/13/2024</a:t>
             </a:fld>
             <a:endParaRPr lang="en-US" dirty="0"/>
           </a:p>
@@ -16660,188 +16660,6 @@
           <p:cNvPr id="2" name="Title 1">
             <a:extLst>
               <a:ext uri="{FF2B5EF4-FFF2-40B4-BE49-F238E27FC236}">
-                <a16:creationId xmlns:a16="http://schemas.microsoft.com/office/drawing/2014/main" id="{776B09A4-5BC9-4EA8-C267-D3B26A49D07E}"/>
-              </a:ext>
-            </a:extLst>
-          </p:cNvPr>
-          <p:cNvSpPr>
-            <a:spLocks noGrp="1"/>
-          </p:cNvSpPr>
-          <p:nvPr>
-            <p:ph type="title"/>
-          </p:nvPr>
-        </p:nvSpPr>
-        <p:spPr/>
-        <p:txBody>
-          <a:bodyPr/>
-          <a:lstStyle/>
-          <a:p>
-            <a:pPr marL="0" indent="0" algn="ctr">
-              <a:buNone/>
-            </a:pPr>
-            <a:r>
-              <a:rPr lang="en-US" dirty="0"/>
-              <a:t>https://pollev.com/brianpark046</a:t>
-            </a:r>
-          </a:p>
-        </p:txBody>
-      </p:sp>
-      <p:sp>
-        <p:nvSpPr>
-          <p:cNvPr id="4" name="Date Placeholder 3">
-            <a:extLst>
-              <a:ext uri="{FF2B5EF4-FFF2-40B4-BE49-F238E27FC236}">
-                <a16:creationId xmlns:a16="http://schemas.microsoft.com/office/drawing/2014/main" id="{CE725A02-EA7A-7321-8B8B-168BF05EA587}"/>
-              </a:ext>
-            </a:extLst>
-          </p:cNvPr>
-          <p:cNvSpPr>
-            <a:spLocks noGrp="1"/>
-          </p:cNvSpPr>
-          <p:nvPr>
-            <p:ph type="dt" sz="half" idx="10"/>
-          </p:nvPr>
-        </p:nvSpPr>
-        <p:spPr/>
-        <p:txBody>
-          <a:bodyPr/>
-          <a:lstStyle/>
-          <a:p>
-            <a:r>
-              <a:rPr lang="en-US"/>
-              <a:t>Spring 2024</a:t>
-            </a:r>
-            <a:endParaRPr lang="en-US" dirty="0"/>
-          </a:p>
-        </p:txBody>
-      </p:sp>
-      <p:sp>
-        <p:nvSpPr>
-          <p:cNvPr id="5" name="Footer Placeholder 4">
-            <a:extLst>
-              <a:ext uri="{FF2B5EF4-FFF2-40B4-BE49-F238E27FC236}">
-                <a16:creationId xmlns:a16="http://schemas.microsoft.com/office/drawing/2014/main" id="{024C4429-8EF0-A6CF-DF65-1DD6365F71D2}"/>
-              </a:ext>
-            </a:extLst>
-          </p:cNvPr>
-          <p:cNvSpPr>
-            <a:spLocks noGrp="1"/>
-          </p:cNvSpPr>
-          <p:nvPr>
-            <p:ph type="ftr" sz="quarter" idx="11"/>
-          </p:nvPr>
-        </p:nvSpPr>
-        <p:spPr/>
-        <p:txBody>
-          <a:bodyPr/>
-          <a:lstStyle/>
-          <a:p>
-            <a:r>
-              <a:rPr lang="en-US"/>
-              <a:t>DEPARTMENT OF BUSINESS &amp; ECONOMICS</a:t>
-            </a:r>
-          </a:p>
-        </p:txBody>
-      </p:sp>
-      <p:sp>
-        <p:nvSpPr>
-          <p:cNvPr id="6" name="Slide Number Placeholder 5">
-            <a:extLst>
-              <a:ext uri="{FF2B5EF4-FFF2-40B4-BE49-F238E27FC236}">
-                <a16:creationId xmlns:a16="http://schemas.microsoft.com/office/drawing/2014/main" id="{E35CE67F-4580-2DF1-52D2-80C99C5F60C8}"/>
-              </a:ext>
-            </a:extLst>
-          </p:cNvPr>
-          <p:cNvSpPr>
-            <a:spLocks noGrp="1"/>
-          </p:cNvSpPr>
-          <p:nvPr>
-            <p:ph type="sldNum" sz="quarter" idx="12"/>
-          </p:nvPr>
-        </p:nvSpPr>
-        <p:spPr/>
-        <p:txBody>
-          <a:bodyPr/>
-          <a:lstStyle/>
-          <a:p>
-            <a:fld id="{1A980C56-831A-4EAB-9EDE-57C090F4F877}" type="slidenum">
-              <a:rPr lang="en-US" smtClean="0"/>
-              <a:t>2</a:t>
-            </a:fld>
-            <a:endParaRPr lang="en-US"/>
-          </a:p>
-        </p:txBody>
-      </p:sp>
-      <p:pic>
-        <p:nvPicPr>
-          <p:cNvPr id="8" name="Picture 7" descr="A qr code on a white background&#10;&#10;Description automatically generated">
-            <a:extLst>
-              <a:ext uri="{FF2B5EF4-FFF2-40B4-BE49-F238E27FC236}">
-                <a16:creationId xmlns:a16="http://schemas.microsoft.com/office/drawing/2014/main" id="{2623E16C-1165-FEA6-D775-025B907AAFC0}"/>
-              </a:ext>
-            </a:extLst>
-          </p:cNvPr>
-          <p:cNvPicPr>
-            <a:picLocks noChangeAspect="1"/>
-          </p:cNvPicPr>
-          <p:nvPr/>
-        </p:nvPicPr>
-        <p:blipFill rotWithShape="1">
-          <a:blip r:embed="rId2">
-            <a:extLst>
-              <a:ext uri="{28A0092B-C50C-407E-A947-70E740481C1C}">
-                <a14:useLocalDpi xmlns:a14="http://schemas.microsoft.com/office/drawing/2010/main" val="0"/>
-              </a:ext>
-            </a:extLst>
-          </a:blip>
-          <a:srcRect l="7351" t="7618" r="7351" b="7660"/>
-          <a:stretch/>
-        </p:blipFill>
-        <p:spPr>
-          <a:xfrm>
-            <a:off x="2088573" y="1339928"/>
-            <a:ext cx="4966854" cy="4933296"/>
-          </a:xfrm>
-          <a:prstGeom prst="rect">
-            <a:avLst/>
-          </a:prstGeom>
-        </p:spPr>
-      </p:pic>
-    </p:spTree>
-    <p:extLst>
-      <p:ext uri="{BB962C8B-B14F-4D97-AF65-F5344CB8AC3E}">
-        <p14:creationId xmlns:p14="http://schemas.microsoft.com/office/powerpoint/2010/main" val="1465233587"/>
-      </p:ext>
-    </p:extLst>
-  </p:cSld>
-  <p:clrMapOvr>
-    <a:masterClrMapping/>
-  </p:clrMapOvr>
-</p:sld>
-</file>
-
-<file path=ppt/slides/slide3.xml><?xml version="1.0" encoding="utf-8"?>
-<p:sld xmlns:a="http://schemas.openxmlformats.org/drawingml/2006/main" xmlns:r="http://schemas.openxmlformats.org/officeDocument/2006/relationships" xmlns:p="http://schemas.openxmlformats.org/presentationml/2006/main">
-  <p:cSld>
-    <p:spTree>
-      <p:nvGrpSpPr>
-        <p:cNvPr id="1" name=""/>
-        <p:cNvGrpSpPr/>
-        <p:nvPr/>
-      </p:nvGrpSpPr>
-      <p:grpSpPr>
-        <a:xfrm>
-          <a:off x="0" y="0"/>
-          <a:ext cx="0" cy="0"/>
-          <a:chOff x="0" y="0"/>
-          <a:chExt cx="0" cy="0"/>
-        </a:xfrm>
-      </p:grpSpPr>
-      <p:sp>
-        <p:nvSpPr>
-          <p:cNvPr id="2" name="Title 1">
-            <a:extLst>
-              <a:ext uri="{FF2B5EF4-FFF2-40B4-BE49-F238E27FC236}">
                 <a16:creationId xmlns:a16="http://schemas.microsoft.com/office/drawing/2014/main" id="{142F3F6D-9EEF-3BB2-B5B6-637EF2FD629C}"/>
               </a:ext>
             </a:extLst>
@@ -16999,7 +16817,7 @@
           <a:p>
             <a:fld id="{1A980C56-831A-4EAB-9EDE-57C090F4F877}" type="slidenum">
               <a:rPr lang="en-US" smtClean="0"/>
-              <a:t>3</a:t>
+              <a:t>2</a:t>
             </a:fld>
             <a:endParaRPr lang="en-US" dirty="0"/>
           </a:p>
@@ -17237,7 +17055,7 @@
 </p:sld>
 </file>
 
-<file path=ppt/slides/slide4.xml><?xml version="1.0" encoding="utf-8"?>
+<file path=ppt/slides/slide3.xml><?xml version="1.0" encoding="utf-8"?>
 <p:sld xmlns:a="http://schemas.openxmlformats.org/drawingml/2006/main" xmlns:r="http://schemas.openxmlformats.org/officeDocument/2006/relationships" xmlns:p="http://schemas.openxmlformats.org/presentationml/2006/main">
   <p:cSld>
     <p:spTree>
@@ -17440,7 +17258,7 @@
           <a:p>
             <a:fld id="{1A980C56-831A-4EAB-9EDE-57C090F4F877}" type="slidenum">
               <a:rPr lang="en-US" smtClean="0"/>
-              <a:t>4</a:t>
+              <a:t>3</a:t>
             </a:fld>
             <a:endParaRPr lang="en-US" dirty="0"/>
           </a:p>
@@ -17858,7 +17676,7 @@
 </p:sld>
 </file>
 
-<file path=ppt/slides/slide5.xml><?xml version="1.0" encoding="utf-8"?>
+<file path=ppt/slides/slide4.xml><?xml version="1.0" encoding="utf-8"?>
 <p:sld xmlns:a="http://schemas.openxmlformats.org/drawingml/2006/main" xmlns:r="http://schemas.openxmlformats.org/officeDocument/2006/relationships" xmlns:p="http://schemas.openxmlformats.org/presentationml/2006/main">
   <p:cSld>
     <p:spTree>
@@ -17903,8 +17721,8 @@
           </a:p>
         </p:txBody>
       </p:sp>
-      <mc:AlternateContent xmlns:mc="http://schemas.openxmlformats.org/markup-compatibility/2006">
-        <mc:Choice xmlns:a14="http://schemas.microsoft.com/office/drawing/2010/main" Requires="a14">
+      <mc:AlternateContent xmlns:mc="http://schemas.openxmlformats.org/markup-compatibility/2006" xmlns:a14="http://schemas.microsoft.com/office/drawing/2010/main">
+        <mc:Choice Requires="a14">
           <p:sp>
             <p:nvSpPr>
               <p:cNvPr id="4" name="Content Placeholder 3">
@@ -18089,7 +17907,7 @@
             </p:txBody>
           </p:sp>
         </mc:Choice>
-        <mc:Fallback>
+        <mc:Fallback xmlns="">
           <p:sp>
             <p:nvSpPr>
               <p:cNvPr id="4" name="Content Placeholder 3">
@@ -18210,7 +18028,7 @@
           <a:p>
             <a:fld id="{1A980C56-831A-4EAB-9EDE-57C090F4F877}" type="slidenum">
               <a:rPr lang="en-US" smtClean="0"/>
-              <a:t>5</a:t>
+              <a:t>4</a:t>
             </a:fld>
             <a:endParaRPr lang="en-US" dirty="0"/>
           </a:p>
@@ -19647,7 +19465,7 @@
 </p:sld>
 </file>
 
-<file path=ppt/slides/slide6.xml><?xml version="1.0" encoding="utf-8"?>
+<file path=ppt/slides/slide5.xml><?xml version="1.0" encoding="utf-8"?>
 <p:sld xmlns:a="http://schemas.openxmlformats.org/drawingml/2006/main" xmlns:r="http://schemas.openxmlformats.org/officeDocument/2006/relationships" xmlns:p="http://schemas.openxmlformats.org/presentationml/2006/main">
   <p:cSld>
     <p:spTree>
@@ -20031,7 +19849,7 @@
           <a:p>
             <a:fld id="{1A980C56-831A-4EAB-9EDE-57C090F4F877}" type="slidenum">
               <a:rPr lang="en-US" smtClean="0"/>
-              <a:t>6</a:t>
+              <a:t>5</a:t>
             </a:fld>
             <a:endParaRPr lang="en-US" dirty="0"/>
           </a:p>
@@ -22147,6 +21965,821 @@
 </p:sld>
 </file>
 
+<file path=ppt/slides/slide6.xml><?xml version="1.0" encoding="utf-8"?>
+<p:sld xmlns:a="http://schemas.openxmlformats.org/drawingml/2006/main" xmlns:r="http://schemas.openxmlformats.org/officeDocument/2006/relationships" xmlns:p="http://schemas.openxmlformats.org/presentationml/2006/main">
+  <p:cSld>
+    <p:spTree>
+      <p:nvGrpSpPr>
+        <p:cNvPr id="1" name="">
+          <a:extLst>
+            <a:ext uri="{FF2B5EF4-FFF2-40B4-BE49-F238E27FC236}">
+              <a16:creationId xmlns:a16="http://schemas.microsoft.com/office/drawing/2014/main" id="{2AFD5E21-9B5F-E087-92AA-BCB42D43B1E1}"/>
+            </a:ext>
+          </a:extLst>
+        </p:cNvPr>
+        <p:cNvGrpSpPr/>
+        <p:nvPr/>
+      </p:nvGrpSpPr>
+      <p:grpSpPr>
+        <a:xfrm>
+          <a:off x="0" y="0"/>
+          <a:ext cx="0" cy="0"/>
+          <a:chOff x="0" y="0"/>
+          <a:chExt cx="0" cy="0"/>
+        </a:xfrm>
+      </p:grpSpPr>
+      <p:sp>
+        <p:nvSpPr>
+          <p:cNvPr id="2" name="Title 1">
+            <a:extLst>
+              <a:ext uri="{FF2B5EF4-FFF2-40B4-BE49-F238E27FC236}">
+                <a16:creationId xmlns:a16="http://schemas.microsoft.com/office/drawing/2014/main" id="{CCE3CDF6-BDDE-21F4-1F4E-6DC3F4005235}"/>
+              </a:ext>
+            </a:extLst>
+          </p:cNvPr>
+          <p:cNvSpPr>
+            <a:spLocks noGrp="1"/>
+          </p:cNvSpPr>
+          <p:nvPr>
+            <p:ph type="title"/>
+          </p:nvPr>
+        </p:nvSpPr>
+        <p:spPr/>
+        <p:txBody>
+          <a:bodyPr/>
+          <a:lstStyle/>
+          <a:p>
+            <a:r>
+              <a:rPr lang="en-US" dirty="0"/>
+              <a:t>The Demand for Money</a:t>
+            </a:r>
+          </a:p>
+        </p:txBody>
+      </p:sp>
+      <mc:AlternateContent xmlns:mc="http://schemas.openxmlformats.org/markup-compatibility/2006">
+        <mc:Choice xmlns:a14="http://schemas.microsoft.com/office/drawing/2010/main" Requires="a14">
+          <p:sp>
+            <p:nvSpPr>
+              <p:cNvPr id="3" name="Content Placeholder 2">
+                <a:extLst>
+                  <a:ext uri="{FF2B5EF4-FFF2-40B4-BE49-F238E27FC236}">
+                    <a16:creationId xmlns:a16="http://schemas.microsoft.com/office/drawing/2014/main" id="{003502F6-2028-433F-BBC3-33E3288FE60D}"/>
+                  </a:ext>
+                </a:extLst>
+              </p:cNvPr>
+              <p:cNvSpPr>
+                <a:spLocks noGrp="1"/>
+              </p:cNvSpPr>
+              <p:nvPr>
+                <p:ph idx="1"/>
+              </p:nvPr>
+            </p:nvSpPr>
+            <p:spPr>
+              <a:xfrm>
+                <a:off x="628650" y="1825625"/>
+                <a:ext cx="7886700" cy="4351338"/>
+              </a:xfrm>
+            </p:spPr>
+            <p:txBody>
+              <a:bodyPr/>
+              <a:lstStyle/>
+              <a:p>
+                <a:r>
+                  <a:rPr lang="en-US" dirty="0"/>
+                  <a:t>Writing down this in mathematical form:</a:t>
+                </a:r>
+              </a:p>
+              <a:p>
+                <a:endParaRPr lang="en-US" sz="500" dirty="0"/>
+              </a:p>
+              <a:p>
+                <a:pPr marL="0" indent="0">
+                  <a:buNone/>
+                </a:pPr>
+                <a14:m>
+                  <m:oMathPara xmlns:m="http://schemas.openxmlformats.org/officeDocument/2006/math">
+                    <m:oMathParaPr>
+                      <m:jc m:val="centerGroup"/>
+                    </m:oMathParaPr>
+                    <m:oMath xmlns:m="http://schemas.openxmlformats.org/officeDocument/2006/math">
+                      <m:sSup>
+                        <m:sSupPr>
+                          <m:ctrlPr>
+                            <a:rPr lang="en-US" b="0" i="1" smtClean="0">
+                              <a:latin typeface="Cambria Math" panose="02040503050406030204" pitchFamily="18" charset="0"/>
+                            </a:rPr>
+                          </m:ctrlPr>
+                        </m:sSupPr>
+                        <m:e>
+                          <m:r>
+                            <a:rPr lang="en-US" b="0" i="1" smtClean="0">
+                              <a:latin typeface="Cambria Math" panose="02040503050406030204" pitchFamily="18" charset="0"/>
+                            </a:rPr>
+                            <m:t>𝑀</m:t>
+                          </m:r>
+                        </m:e>
+                        <m:sup>
+                          <m:r>
+                            <a:rPr lang="en-US" b="0" i="1" smtClean="0">
+                              <a:latin typeface="Cambria Math" panose="02040503050406030204" pitchFamily="18" charset="0"/>
+                            </a:rPr>
+                            <m:t>𝑑</m:t>
+                          </m:r>
+                        </m:sup>
+                      </m:sSup>
+                      <m:r>
+                        <a:rPr lang="en-US" b="0" i="1" smtClean="0">
+                          <a:latin typeface="Cambria Math" panose="02040503050406030204" pitchFamily="18" charset="0"/>
+                        </a:rPr>
+                        <m:t>=</m:t>
+                      </m:r>
+                      <m:r>
+                        <a:rPr lang="en-US" b="0" i="1" smtClean="0">
+                          <a:latin typeface="Cambria Math" panose="02040503050406030204" pitchFamily="18" charset="0"/>
+                        </a:rPr>
+                        <m:t>$</m:t>
+                      </m:r>
+                      <m:r>
+                        <a:rPr lang="en-US" b="0" i="1" smtClean="0">
+                          <a:latin typeface="Cambria Math" panose="02040503050406030204" pitchFamily="18" charset="0"/>
+                        </a:rPr>
+                        <m:t>𝑌</m:t>
+                      </m:r>
+                      <m:r>
+                        <a:rPr lang="en-US" b="0" i="1" smtClean="0">
+                          <a:latin typeface="Cambria Math" panose="02040503050406030204" pitchFamily="18" charset="0"/>
+                        </a:rPr>
+                        <m:t>×</m:t>
+                      </m:r>
+                      <m:r>
+                        <a:rPr lang="en-US" b="0" i="1" smtClean="0">
+                          <a:latin typeface="Cambria Math" panose="02040503050406030204" pitchFamily="18" charset="0"/>
+                        </a:rPr>
+                        <m:t>𝐿</m:t>
+                      </m:r>
+                      <m:r>
+                        <a:rPr lang="en-US" b="0" i="1" smtClean="0">
+                          <a:latin typeface="Cambria Math" panose="02040503050406030204" pitchFamily="18" charset="0"/>
+                        </a:rPr>
+                        <m:t>(</m:t>
+                      </m:r>
+                      <m:r>
+                        <a:rPr lang="en-US" b="0" i="1" smtClean="0">
+                          <a:latin typeface="Cambria Math" panose="02040503050406030204" pitchFamily="18" charset="0"/>
+                        </a:rPr>
+                        <m:t>𝑖</m:t>
+                      </m:r>
+                      <m:r>
+                        <a:rPr lang="en-US" b="0" i="1" smtClean="0">
+                          <a:latin typeface="Cambria Math" panose="02040503050406030204" pitchFamily="18" charset="0"/>
+                        </a:rPr>
+                        <m:t>)</m:t>
+                      </m:r>
+                    </m:oMath>
+                  </m:oMathPara>
+                </a14:m>
+                <a:endParaRPr lang="en-US" dirty="0"/>
+              </a:p>
+              <a:p>
+                <a:endParaRPr lang="en-US" sz="500" dirty="0"/>
+              </a:p>
+              <a:p>
+                <a14:m>
+                  <m:oMath xmlns:m="http://schemas.openxmlformats.org/officeDocument/2006/math">
+                    <m:r>
+                      <a:rPr lang="en-US" b="0" i="1" smtClean="0">
+                        <a:latin typeface="Cambria Math" panose="02040503050406030204" pitchFamily="18" charset="0"/>
+                      </a:rPr>
+                      <m:t>$</m:t>
+                    </m:r>
+                    <m:r>
+                      <a:rPr lang="en-US" i="1">
+                        <a:latin typeface="Cambria Math" panose="02040503050406030204" pitchFamily="18" charset="0"/>
+                      </a:rPr>
+                      <m:t>𝑌</m:t>
+                    </m:r>
+                  </m:oMath>
+                </a14:m>
+                <a:r>
+                  <a:rPr lang="en-US" dirty="0"/>
+                  <a:t> </a:t>
+                </a:r>
+                <a:r>
+                  <a:rPr lang="en-US"/>
+                  <a:t>is the </a:t>
+                </a:r>
+                <a:r>
+                  <a:rPr lang="en-US" dirty="0"/>
+                  <a:t>nominal income (output) of the economy.</a:t>
+                </a:r>
+              </a:p>
+              <a:p>
+                <a:pPr lvl="3"/>
+                <a:endParaRPr lang="en-US" dirty="0"/>
+              </a:p>
+              <a:p>
+                <a14:m>
+                  <m:oMath xmlns:m="http://schemas.openxmlformats.org/officeDocument/2006/math">
+                    <m:r>
+                      <a:rPr lang="en-US" i="1">
+                        <a:latin typeface="Cambria Math" panose="02040503050406030204" pitchFamily="18" charset="0"/>
+                      </a:rPr>
+                      <m:t>𝑖</m:t>
+                    </m:r>
+                  </m:oMath>
+                </a14:m>
+                <a:r>
+                  <a:rPr lang="en-US" dirty="0"/>
+                  <a:t> is the interest rate of the economy.</a:t>
+                </a:r>
+              </a:p>
+              <a:p>
+                <a:pPr lvl="3"/>
+                <a:endParaRPr lang="en-US" dirty="0"/>
+              </a:p>
+              <a:p>
+                <a14:m>
+                  <m:oMath xmlns:m="http://schemas.openxmlformats.org/officeDocument/2006/math">
+                    <m:r>
+                      <a:rPr lang="en-US" i="1">
+                        <a:latin typeface="Cambria Math" panose="02040503050406030204" pitchFamily="18" charset="0"/>
+                      </a:rPr>
+                      <m:t>𝐿</m:t>
+                    </m:r>
+                    <m:r>
+                      <a:rPr lang="en-US" i="1">
+                        <a:latin typeface="Cambria Math" panose="02040503050406030204" pitchFamily="18" charset="0"/>
+                      </a:rPr>
+                      <m:t>(⋅)</m:t>
+                    </m:r>
+                  </m:oMath>
+                </a14:m>
+                <a:r>
+                  <a:rPr lang="en-US" dirty="0"/>
+                  <a:t> is a decreasing function of </a:t>
+                </a:r>
+                <a14:m>
+                  <m:oMath xmlns:m="http://schemas.openxmlformats.org/officeDocument/2006/math">
+                    <m:r>
+                      <a:rPr lang="en-US" i="1">
+                        <a:latin typeface="Cambria Math" panose="02040503050406030204" pitchFamily="18" charset="0"/>
+                      </a:rPr>
+                      <m:t>𝑖</m:t>
+                    </m:r>
+                  </m:oMath>
+                </a14:m>
+                <a:endParaRPr lang="en-US" dirty="0"/>
+              </a:p>
+              <a:p>
+                <a:pPr lvl="1"/>
+                <a14:m>
+                  <m:oMath xmlns:m="http://schemas.openxmlformats.org/officeDocument/2006/math">
+                    <m:r>
+                      <a:rPr lang="en-US" i="1">
+                        <a:latin typeface="Cambria Math" panose="02040503050406030204" pitchFamily="18" charset="0"/>
+                      </a:rPr>
+                      <m:t>𝐿</m:t>
+                    </m:r>
+                    <m:r>
+                      <a:rPr lang="en-US" i="1">
+                        <a:latin typeface="Cambria Math" panose="02040503050406030204" pitchFamily="18" charset="0"/>
+                      </a:rPr>
+                      <m:t>(⋅)</m:t>
+                    </m:r>
+                  </m:oMath>
+                </a14:m>
+                <a:r>
+                  <a:rPr lang="en-US" dirty="0"/>
+                  <a:t> is greater when </a:t>
+                </a:r>
+                <a14:m>
+                  <m:oMath xmlns:m="http://schemas.openxmlformats.org/officeDocument/2006/math">
+                    <m:r>
+                      <a:rPr lang="en-US" i="1">
+                        <a:latin typeface="Cambria Math" panose="02040503050406030204" pitchFamily="18" charset="0"/>
+                      </a:rPr>
+                      <m:t>𝑖</m:t>
+                    </m:r>
+                  </m:oMath>
+                </a14:m>
+                <a:r>
+                  <a:rPr lang="en-US" dirty="0"/>
+                  <a:t> is lower, vice versa.</a:t>
+                </a:r>
+              </a:p>
+              <a:p>
+                <a:pPr lvl="1"/>
+                <a:r>
+                  <a:rPr lang="en-US" dirty="0"/>
+                  <a:t>Stands for “Liquidity”</a:t>
+                </a:r>
+              </a:p>
+              <a:p>
+                <a:pPr lvl="3"/>
+                <a:endParaRPr lang="en-US" dirty="0"/>
+              </a:p>
+              <a:p>
+                <a:endParaRPr lang="en-US" dirty="0"/>
+              </a:p>
+            </p:txBody>
+          </p:sp>
+        </mc:Choice>
+        <mc:Fallback>
+          <p:sp>
+            <p:nvSpPr>
+              <p:cNvPr id="3" name="Content Placeholder 2">
+                <a:extLst>
+                  <a:ext uri="{FF2B5EF4-FFF2-40B4-BE49-F238E27FC236}">
+                    <a16:creationId xmlns:a16="http://schemas.microsoft.com/office/drawing/2014/main" id="{003502F6-2028-433F-BBC3-33E3288FE60D}"/>
+                  </a:ext>
+                </a:extLst>
+              </p:cNvPr>
+              <p:cNvSpPr>
+                <a:spLocks noGrp="1" noRot="1" noChangeAspect="1" noMove="1" noResize="1" noEditPoints="1" noAdjustHandles="1" noChangeArrowheads="1" noChangeShapeType="1" noTextEdit="1"/>
+              </p:cNvSpPr>
+              <p:nvPr>
+                <p:ph idx="1"/>
+              </p:nvPr>
+            </p:nvSpPr>
+            <p:spPr>
+              <a:xfrm>
+                <a:off x="628650" y="1825625"/>
+                <a:ext cx="7886700" cy="4351338"/>
+              </a:xfrm>
+              <a:blipFill>
+                <a:blip r:embed="rId2"/>
+                <a:stretch>
+                  <a:fillRect l="-1005" t="-1821"/>
+                </a:stretch>
+              </a:blipFill>
+            </p:spPr>
+            <p:txBody>
+              <a:bodyPr/>
+              <a:lstStyle/>
+              <a:p>
+                <a:r>
+                  <a:rPr lang="en-US">
+                    <a:noFill/>
+                  </a:rPr>
+                  <a:t> </a:t>
+                </a:r>
+              </a:p>
+            </p:txBody>
+          </p:sp>
+        </mc:Fallback>
+      </mc:AlternateContent>
+      <p:sp>
+        <p:nvSpPr>
+          <p:cNvPr id="4" name="Date Placeholder 3">
+            <a:extLst>
+              <a:ext uri="{FF2B5EF4-FFF2-40B4-BE49-F238E27FC236}">
+                <a16:creationId xmlns:a16="http://schemas.microsoft.com/office/drawing/2014/main" id="{CC13A1F2-9C93-A140-498D-B919C640F946}"/>
+              </a:ext>
+            </a:extLst>
+          </p:cNvPr>
+          <p:cNvSpPr>
+            <a:spLocks noGrp="1"/>
+          </p:cNvSpPr>
+          <p:nvPr>
+            <p:ph type="dt" sz="half" idx="10"/>
+          </p:nvPr>
+        </p:nvSpPr>
+        <p:spPr/>
+        <p:txBody>
+          <a:bodyPr/>
+          <a:lstStyle/>
+          <a:p>
+            <a:r>
+              <a:rPr lang="en-US"/>
+              <a:t>Spring 2024</a:t>
+            </a:r>
+            <a:endParaRPr lang="en-US" dirty="0"/>
+          </a:p>
+        </p:txBody>
+      </p:sp>
+      <p:sp>
+        <p:nvSpPr>
+          <p:cNvPr id="5" name="Footer Placeholder 4">
+            <a:extLst>
+              <a:ext uri="{FF2B5EF4-FFF2-40B4-BE49-F238E27FC236}">
+                <a16:creationId xmlns:a16="http://schemas.microsoft.com/office/drawing/2014/main" id="{81CAF01B-850E-5745-E57A-B480B61CFADB}"/>
+              </a:ext>
+            </a:extLst>
+          </p:cNvPr>
+          <p:cNvSpPr>
+            <a:spLocks noGrp="1"/>
+          </p:cNvSpPr>
+          <p:nvPr>
+            <p:ph type="ftr" sz="quarter" idx="11"/>
+          </p:nvPr>
+        </p:nvSpPr>
+        <p:spPr/>
+        <p:txBody>
+          <a:bodyPr/>
+          <a:lstStyle/>
+          <a:p>
+            <a:r>
+              <a:rPr lang="en-US"/>
+              <a:t>DEPARTMENT OF BUSINESS &amp; ECONOMICS</a:t>
+            </a:r>
+            <a:endParaRPr lang="en-US" dirty="0"/>
+          </a:p>
+        </p:txBody>
+      </p:sp>
+      <p:sp>
+        <p:nvSpPr>
+          <p:cNvPr id="6" name="Slide Number Placeholder 5">
+            <a:extLst>
+              <a:ext uri="{FF2B5EF4-FFF2-40B4-BE49-F238E27FC236}">
+                <a16:creationId xmlns:a16="http://schemas.microsoft.com/office/drawing/2014/main" id="{60E50FC8-C490-4B7D-F606-39A614C2222D}"/>
+              </a:ext>
+            </a:extLst>
+          </p:cNvPr>
+          <p:cNvSpPr>
+            <a:spLocks noGrp="1"/>
+          </p:cNvSpPr>
+          <p:nvPr>
+            <p:ph type="sldNum" sz="quarter" idx="12"/>
+          </p:nvPr>
+        </p:nvSpPr>
+        <p:spPr/>
+        <p:txBody>
+          <a:bodyPr/>
+          <a:lstStyle/>
+          <a:p>
+            <a:fld id="{1A980C56-831A-4EAB-9EDE-57C090F4F877}" type="slidenum">
+              <a:rPr lang="en-US" smtClean="0"/>
+              <a:t>6</a:t>
+            </a:fld>
+            <a:endParaRPr lang="en-US" dirty="0"/>
+          </a:p>
+        </p:txBody>
+      </p:sp>
+    </p:spTree>
+    <p:extLst>
+      <p:ext uri="{BB962C8B-B14F-4D97-AF65-F5344CB8AC3E}">
+        <p14:creationId xmlns:p14="http://schemas.microsoft.com/office/powerpoint/2010/main" val="2774734472"/>
+      </p:ext>
+    </p:extLst>
+  </p:cSld>
+  <p:clrMapOvr>
+    <a:masterClrMapping/>
+  </p:clrMapOvr>
+  <p:timing>
+    <p:tnLst>
+      <p:par>
+        <p:cTn id="1" dur="indefinite" restart="never" nodeType="tmRoot">
+          <p:childTnLst>
+            <p:seq concurrent="1" nextAc="seek">
+              <p:cTn id="2" dur="indefinite" nodeType="mainSeq">
+                <p:childTnLst>
+                  <p:par>
+                    <p:cTn id="3" fill="hold">
+                      <p:stCondLst>
+                        <p:cond delay="indefinite"/>
+                        <p:cond evt="onBegin" delay="0">
+                          <p:tn val="2"/>
+                        </p:cond>
+                      </p:stCondLst>
+                      <p:childTnLst>
+                        <p:par>
+                          <p:cTn id="4" fill="hold">
+                            <p:stCondLst>
+                              <p:cond delay="0"/>
+                            </p:stCondLst>
+                            <p:childTnLst>
+                              <p:par>
+                                <p:cTn id="5" presetID="10" presetClass="entr" presetSubtype="0" fill="hold" nodeType="withEffect">
+                                  <p:stCondLst>
+                                    <p:cond delay="0"/>
+                                  </p:stCondLst>
+                                  <p:childTnLst>
+                                    <p:set>
+                                      <p:cBhvr>
+                                        <p:cTn id="6" dur="1" fill="hold">
+                                          <p:stCondLst>
+                                            <p:cond delay="0"/>
+                                          </p:stCondLst>
+                                        </p:cTn>
+                                        <p:tgtEl>
+                                          <p:spTgt spid="3">
+                                            <p:txEl>
+                                              <p:pRg st="0" end="0"/>
+                                            </p:txEl>
+                                          </p:spTgt>
+                                        </p:tgtEl>
+                                        <p:attrNameLst>
+                                          <p:attrName>style.visibility</p:attrName>
+                                        </p:attrNameLst>
+                                      </p:cBhvr>
+                                      <p:to>
+                                        <p:strVal val="visible"/>
+                                      </p:to>
+                                    </p:set>
+                                    <p:animEffect transition="in" filter="fade">
+                                      <p:cBhvr>
+                                        <p:cTn id="7" dur="500"/>
+                                        <p:tgtEl>
+                                          <p:spTgt spid="3">
+                                            <p:txEl>
+                                              <p:pRg st="0" end="0"/>
+                                            </p:txEl>
+                                          </p:spTgt>
+                                        </p:tgtEl>
+                                      </p:cBhvr>
+                                    </p:animEffect>
+                                  </p:childTnLst>
+                                </p:cTn>
+                              </p:par>
+                              <p:par>
+                                <p:cTn id="8" presetID="10" presetClass="entr" presetSubtype="0" fill="hold" nodeType="withEffect">
+                                  <p:stCondLst>
+                                    <p:cond delay="0"/>
+                                  </p:stCondLst>
+                                  <p:childTnLst>
+                                    <p:set>
+                                      <p:cBhvr>
+                                        <p:cTn id="9" dur="1" fill="hold">
+                                          <p:stCondLst>
+                                            <p:cond delay="0"/>
+                                          </p:stCondLst>
+                                        </p:cTn>
+                                        <p:tgtEl>
+                                          <p:spTgt spid="3">
+                                            <p:txEl>
+                                              <p:pRg st="2" end="2"/>
+                                            </p:txEl>
+                                          </p:spTgt>
+                                        </p:tgtEl>
+                                        <p:attrNameLst>
+                                          <p:attrName>style.visibility</p:attrName>
+                                        </p:attrNameLst>
+                                      </p:cBhvr>
+                                      <p:to>
+                                        <p:strVal val="visible"/>
+                                      </p:to>
+                                    </p:set>
+                                    <p:animEffect transition="in" filter="fade">
+                                      <p:cBhvr>
+                                        <p:cTn id="10" dur="500"/>
+                                        <p:tgtEl>
+                                          <p:spTgt spid="3">
+                                            <p:txEl>
+                                              <p:pRg st="2" end="2"/>
+                                            </p:txEl>
+                                          </p:spTgt>
+                                        </p:tgtEl>
+                                      </p:cBhvr>
+                                    </p:animEffect>
+                                  </p:childTnLst>
+                                </p:cTn>
+                              </p:par>
+                              <p:par>
+                                <p:cTn id="11" presetID="10" presetClass="entr" presetSubtype="0" fill="hold" nodeType="withEffect">
+                                  <p:stCondLst>
+                                    <p:cond delay="0"/>
+                                  </p:stCondLst>
+                                  <p:childTnLst>
+                                    <p:set>
+                                      <p:cBhvr>
+                                        <p:cTn id="12" dur="1" fill="hold">
+                                          <p:stCondLst>
+                                            <p:cond delay="0"/>
+                                          </p:stCondLst>
+                                        </p:cTn>
+                                        <p:tgtEl>
+                                          <p:spTgt spid="3">
+                                            <p:txEl>
+                                              <p:pRg st="4" end="4"/>
+                                            </p:txEl>
+                                          </p:spTgt>
+                                        </p:tgtEl>
+                                        <p:attrNameLst>
+                                          <p:attrName>style.visibility</p:attrName>
+                                        </p:attrNameLst>
+                                      </p:cBhvr>
+                                      <p:to>
+                                        <p:strVal val="visible"/>
+                                      </p:to>
+                                    </p:set>
+                                    <p:animEffect transition="in" filter="fade">
+                                      <p:cBhvr>
+                                        <p:cTn id="13" dur="500"/>
+                                        <p:tgtEl>
+                                          <p:spTgt spid="3">
+                                            <p:txEl>
+                                              <p:pRg st="4" end="4"/>
+                                            </p:txEl>
+                                          </p:spTgt>
+                                        </p:tgtEl>
+                                      </p:cBhvr>
+                                    </p:animEffect>
+                                  </p:childTnLst>
+                                </p:cTn>
+                              </p:par>
+                              <p:par>
+                                <p:cTn id="14" presetID="10" presetClass="entr" presetSubtype="0" fill="hold" nodeType="withEffect">
+                                  <p:stCondLst>
+                                    <p:cond delay="0"/>
+                                  </p:stCondLst>
+                                  <p:childTnLst>
+                                    <p:set>
+                                      <p:cBhvr>
+                                        <p:cTn id="15" dur="1" fill="hold">
+                                          <p:stCondLst>
+                                            <p:cond delay="0"/>
+                                          </p:stCondLst>
+                                        </p:cTn>
+                                        <p:tgtEl>
+                                          <p:spTgt spid="3">
+                                            <p:txEl>
+                                              <p:pRg st="6" end="6"/>
+                                            </p:txEl>
+                                          </p:spTgt>
+                                        </p:tgtEl>
+                                        <p:attrNameLst>
+                                          <p:attrName>style.visibility</p:attrName>
+                                        </p:attrNameLst>
+                                      </p:cBhvr>
+                                      <p:to>
+                                        <p:strVal val="visible"/>
+                                      </p:to>
+                                    </p:set>
+                                    <p:animEffect transition="in" filter="fade">
+                                      <p:cBhvr>
+                                        <p:cTn id="16" dur="500"/>
+                                        <p:tgtEl>
+                                          <p:spTgt spid="3">
+                                            <p:txEl>
+                                              <p:pRg st="6" end="6"/>
+                                            </p:txEl>
+                                          </p:spTgt>
+                                        </p:tgtEl>
+                                      </p:cBhvr>
+                                    </p:animEffect>
+                                  </p:childTnLst>
+                                </p:cTn>
+                              </p:par>
+                              <p:par>
+                                <p:cTn id="17" presetID="10" presetClass="entr" presetSubtype="0" fill="hold" nodeType="withEffect">
+                                  <p:stCondLst>
+                                    <p:cond delay="0"/>
+                                  </p:stCondLst>
+                                  <p:childTnLst>
+                                    <p:set>
+                                      <p:cBhvr>
+                                        <p:cTn id="18" dur="1" fill="hold">
+                                          <p:stCondLst>
+                                            <p:cond delay="0"/>
+                                          </p:stCondLst>
+                                        </p:cTn>
+                                        <p:tgtEl>
+                                          <p:spTgt spid="3">
+                                            <p:txEl>
+                                              <p:pRg st="8" end="8"/>
+                                            </p:txEl>
+                                          </p:spTgt>
+                                        </p:tgtEl>
+                                        <p:attrNameLst>
+                                          <p:attrName>style.visibility</p:attrName>
+                                        </p:attrNameLst>
+                                      </p:cBhvr>
+                                      <p:to>
+                                        <p:strVal val="visible"/>
+                                      </p:to>
+                                    </p:set>
+                                    <p:animEffect transition="in" filter="fade">
+                                      <p:cBhvr>
+                                        <p:cTn id="19" dur="500"/>
+                                        <p:tgtEl>
+                                          <p:spTgt spid="3">
+                                            <p:txEl>
+                                              <p:pRg st="8" end="8"/>
+                                            </p:txEl>
+                                          </p:spTgt>
+                                        </p:tgtEl>
+                                      </p:cBhvr>
+                                    </p:animEffect>
+                                  </p:childTnLst>
+                                </p:cTn>
+                              </p:par>
+                              <p:par>
+                                <p:cTn id="20" presetID="10" presetClass="entr" presetSubtype="0" fill="hold" nodeType="withEffect">
+                                  <p:stCondLst>
+                                    <p:cond delay="0"/>
+                                  </p:stCondLst>
+                                  <p:childTnLst>
+                                    <p:set>
+                                      <p:cBhvr>
+                                        <p:cTn id="21" dur="1" fill="hold">
+                                          <p:stCondLst>
+                                            <p:cond delay="0"/>
+                                          </p:stCondLst>
+                                        </p:cTn>
+                                        <p:tgtEl>
+                                          <p:spTgt spid="3">
+                                            <p:txEl>
+                                              <p:pRg st="9" end="9"/>
+                                            </p:txEl>
+                                          </p:spTgt>
+                                        </p:tgtEl>
+                                        <p:attrNameLst>
+                                          <p:attrName>style.visibility</p:attrName>
+                                        </p:attrNameLst>
+                                      </p:cBhvr>
+                                      <p:to>
+                                        <p:strVal val="visible"/>
+                                      </p:to>
+                                    </p:set>
+                                    <p:animEffect transition="in" filter="fade">
+                                      <p:cBhvr>
+                                        <p:cTn id="22" dur="500"/>
+                                        <p:tgtEl>
+                                          <p:spTgt spid="3">
+                                            <p:txEl>
+                                              <p:pRg st="9" end="9"/>
+                                            </p:txEl>
+                                          </p:spTgt>
+                                        </p:tgtEl>
+                                      </p:cBhvr>
+                                    </p:animEffect>
+                                  </p:childTnLst>
+                                </p:cTn>
+                              </p:par>
+                              <p:par>
+                                <p:cTn id="23" presetID="10" presetClass="entr" presetSubtype="0" fill="hold" nodeType="withEffect">
+                                  <p:stCondLst>
+                                    <p:cond delay="0"/>
+                                  </p:stCondLst>
+                                  <p:childTnLst>
+                                    <p:set>
+                                      <p:cBhvr>
+                                        <p:cTn id="24" dur="1" fill="hold">
+                                          <p:stCondLst>
+                                            <p:cond delay="0"/>
+                                          </p:stCondLst>
+                                        </p:cTn>
+                                        <p:tgtEl>
+                                          <p:spTgt spid="3">
+                                            <p:txEl>
+                                              <p:pRg st="10" end="10"/>
+                                            </p:txEl>
+                                          </p:spTgt>
+                                        </p:tgtEl>
+                                        <p:attrNameLst>
+                                          <p:attrName>style.visibility</p:attrName>
+                                        </p:attrNameLst>
+                                      </p:cBhvr>
+                                      <p:to>
+                                        <p:strVal val="visible"/>
+                                      </p:to>
+                                    </p:set>
+                                    <p:animEffect transition="in" filter="fade">
+                                      <p:cBhvr>
+                                        <p:cTn id="25" dur="500"/>
+                                        <p:tgtEl>
+                                          <p:spTgt spid="3">
+                                            <p:txEl>
+                                              <p:pRg st="10" end="10"/>
+                                            </p:txEl>
+                                          </p:spTgt>
+                                        </p:tgtEl>
+                                      </p:cBhvr>
+                                    </p:animEffect>
+                                  </p:childTnLst>
+                                </p:cTn>
+                              </p:par>
+                            </p:childTnLst>
+                          </p:cTn>
+                        </p:par>
+                      </p:childTnLst>
+                    </p:cTn>
+                  </p:par>
+                </p:childTnLst>
+              </p:cTn>
+              <p:prevCondLst>
+                <p:cond evt="onPrev" delay="0">
+                  <p:tgtEl>
+                    <p:sldTgt/>
+                  </p:tgtEl>
+                </p:cond>
+              </p:prevCondLst>
+              <p:nextCondLst>
+                <p:cond evt="onNext" delay="0">
+                  <p:tgtEl>
+                    <p:sldTgt/>
+                  </p:tgtEl>
+                </p:cond>
+              </p:nextCondLst>
+            </p:seq>
+          </p:childTnLst>
+        </p:cTn>
+      </p:par>
+    </p:tnLst>
+  </p:timing>
+</p:sld>
+</file>
+
 <file path=ppt/slides/slide7.xml><?xml version="1.0" encoding="utf-8"?>
 <p:sld xmlns:a="http://schemas.openxmlformats.org/drawingml/2006/main" xmlns:r="http://schemas.openxmlformats.org/officeDocument/2006/relationships" xmlns:p="http://schemas.openxmlformats.org/presentationml/2006/main">
   <p:cSld>
@@ -23893,8 +24526,8 @@
           </p:sp>
         </mc:Fallback>
       </mc:AlternateContent>
-      <mc:AlternateContent xmlns:mc="http://schemas.openxmlformats.org/markup-compatibility/2006">
-        <mc:Choice xmlns:a14="http://schemas.microsoft.com/office/drawing/2010/main" Requires="a14">
+      <mc:AlternateContent xmlns:mc="http://schemas.openxmlformats.org/markup-compatibility/2006" xmlns:a14="http://schemas.microsoft.com/office/drawing/2010/main">
+        <mc:Choice Requires="a14">
           <p:sp>
             <p:nvSpPr>
               <p:cNvPr id="3" name="TextBox 2">
@@ -24025,7 +24658,7 @@
             </p:txBody>
           </p:sp>
         </mc:Choice>
-        <mc:Fallback>
+        <mc:Fallback xmlns="">
           <p:sp>
             <p:nvSpPr>
               <p:cNvPr id="3" name="TextBox 2">
